--- a/ppt/SE2020-G16-实现测试.pptx
+++ b/ppt/SE2020-G16-实现测试.pptx
@@ -12849,7 +12849,7 @@
       <p:sp>
         <p:nvSpPr>
           <p:cNvPr id="14" name="文本框 13">
-            <a:hlinkClick r:id="rId4" tooltip="" action="ppaction://hlinkfile"/>
+            <a:hlinkClick r:id="rId4" action="ppaction://hlinkfile"/>
           </p:cNvPr>
           <p:cNvSpPr txBox="1"/>
           <p:nvPr/>
@@ -13141,6 +13141,30 @@
           </a:fontRef>
         </p:style>
       </p:cxnSp>
+      <p:pic>
+        <p:nvPicPr>
+          <p:cNvPr id="2" name="图片 1"/>
+          <p:cNvPicPr>
+            <a:picLocks noChangeAspect="1"/>
+          </p:cNvPicPr>
+          <p:nvPr/>
+        </p:nvPicPr>
+        <p:blipFill>
+          <a:blip r:embed="rId1"/>
+          <a:stretch>
+            <a:fillRect/>
+          </a:stretch>
+        </p:blipFill>
+        <p:spPr>
+          <a:xfrm>
+            <a:off x="2282825" y="969645"/>
+            <a:ext cx="4577715" cy="3878580"/>
+          </a:xfrm>
+          <a:prstGeom prst="rect">
+            <a:avLst/>
+          </a:prstGeom>
+        </p:spPr>
+      </p:pic>
     </p:spTree>
   </p:cSld>
   <p:clrMapOvr>
